--- a/TP3/TP3_Moises.pptx
+++ b/TP3/TP3_Moises.pptx
@@ -12,7 +12,8 @@
     <p:sldId id="288" r:id="rId6"/>
     <p:sldId id="289" r:id="rId7"/>
     <p:sldId id="290" r:id="rId8"/>
-    <p:sldId id="291" r:id="rId9"/>
+    <p:sldId id="292" r:id="rId9"/>
+    <p:sldId id="293" r:id="rId10"/>
   </p:sldIdLst>
   <p:sldSz cx="12192000" cy="6858000"/>
   <p:notesSz cx="6858000" cy="9144000"/>
@@ -122,7 +123,7 @@
 <file path=ppt/revisionInfo.xml><?xml version="1.0" encoding="utf-8"?>
 <p1510:revInfo xmlns:a="http://schemas.openxmlformats.org/drawingml/2006/main" xmlns:r="http://schemas.openxmlformats.org/officeDocument/2006/relationships" xmlns:p1510="http://schemas.microsoft.com/office/powerpoint/2015/10/main">
   <p1510:revLst>
-    <p1510:client id="{930E4540-302B-49A4-9330-3D1412466C29}" v="10" dt="2023-01-11T15:17:38.490"/>
+    <p1510:client id="{930E4540-302B-49A4-9330-3D1412466C29}" v="20" dt="2023-01-11T19:55:59.832"/>
   </p1510:revLst>
 </p1510:revInfo>
 </file>
@@ -155,8 +156,8 @@
   </pc:docChgLst>
   <pc:docChgLst>
     <pc:chgData name="Moises Pirela" userId="a07275d2963e6567" providerId="LiveId" clId="{930E4540-302B-49A4-9330-3D1412466C29}"/>
-    <pc:docChg chg="undo custSel addSld modSld">
-      <pc:chgData name="Moises Pirela" userId="a07275d2963e6567" providerId="LiveId" clId="{930E4540-302B-49A4-9330-3D1412466C29}" dt="2023-01-11T15:19:19.645" v="1495" actId="1035"/>
+    <pc:docChg chg="undo custSel addSld delSld modSld">
+      <pc:chgData name="Moises Pirela" userId="a07275d2963e6567" providerId="LiveId" clId="{930E4540-302B-49A4-9330-3D1412466C29}" dt="2023-01-11T19:56:02.841" v="1911" actId="6549"/>
       <pc:docMkLst>
         <pc:docMk/>
       </pc:docMkLst>
@@ -255,7 +256,7 @@
         </pc:picChg>
       </pc:sldChg>
       <pc:sldChg chg="addSp delSp modSp new mod">
-        <pc:chgData name="Moises Pirela" userId="a07275d2963e6567" providerId="LiveId" clId="{930E4540-302B-49A4-9330-3D1412466C29}" dt="2023-01-11T15:19:19.645" v="1495" actId="1035"/>
+        <pc:chgData name="Moises Pirela" userId="a07275d2963e6567" providerId="LiveId" clId="{930E4540-302B-49A4-9330-3D1412466C29}" dt="2023-01-11T18:07:32.345" v="1607" actId="20577"/>
         <pc:sldMkLst>
           <pc:docMk/>
           <pc:sldMk cId="2857062487" sldId="290"/>
@@ -325,7 +326,7 @@
           </ac:spMkLst>
         </pc:spChg>
         <pc:spChg chg="add mod">
-          <ac:chgData name="Moises Pirela" userId="a07275d2963e6567" providerId="LiveId" clId="{930E4540-302B-49A4-9330-3D1412466C29}" dt="2023-01-11T15:19:19.645" v="1495" actId="1035"/>
+          <ac:chgData name="Moises Pirela" userId="a07275d2963e6567" providerId="LiveId" clId="{930E4540-302B-49A4-9330-3D1412466C29}" dt="2023-01-11T18:07:32.345" v="1607" actId="20577"/>
           <ac:spMkLst>
             <pc:docMk/>
             <pc:sldMk cId="2857062487" sldId="290"/>
@@ -413,12 +414,52 @@
           </ac:picMkLst>
         </pc:picChg>
       </pc:sldChg>
-      <pc:sldChg chg="delSp modSp add mod">
-        <pc:chgData name="Moises Pirela" userId="a07275d2963e6567" providerId="LiveId" clId="{930E4540-302B-49A4-9330-3D1412466C29}" dt="2023-01-11T15:18:01.370" v="1471" actId="1076"/>
+      <pc:sldChg chg="addSp delSp modSp add del mod">
+        <pc:chgData name="Moises Pirela" userId="a07275d2963e6567" providerId="LiveId" clId="{930E4540-302B-49A4-9330-3D1412466C29}" dt="2023-01-11T17:58:27.381" v="1579" actId="47"/>
         <pc:sldMkLst>
           <pc:docMk/>
           <pc:sldMk cId="394200718" sldId="291"/>
         </pc:sldMkLst>
+        <pc:spChg chg="add mod">
+          <ac:chgData name="Moises Pirela" userId="a07275d2963e6567" providerId="LiveId" clId="{930E4540-302B-49A4-9330-3D1412466C29}" dt="2023-01-11T17:55:21.635" v="1497" actId="1076"/>
+          <ac:spMkLst>
+            <pc:docMk/>
+            <pc:sldMk cId="394200718" sldId="291"/>
+            <ac:spMk id="2" creationId="{F9AB9F8C-3D11-7835-6B25-83BD02172BB9}"/>
+          </ac:spMkLst>
+        </pc:spChg>
+        <pc:spChg chg="add mod">
+          <ac:chgData name="Moises Pirela" userId="a07275d2963e6567" providerId="LiveId" clId="{930E4540-302B-49A4-9330-3D1412466C29}" dt="2023-01-11T17:55:21.635" v="1497" actId="1076"/>
+          <ac:spMkLst>
+            <pc:docMk/>
+            <pc:sldMk cId="394200718" sldId="291"/>
+            <ac:spMk id="3" creationId="{07B48B74-AC34-7017-20C9-CCF6E525B1FF}"/>
+          </ac:spMkLst>
+        </pc:spChg>
+        <pc:spChg chg="add mod">
+          <ac:chgData name="Moises Pirela" userId="a07275d2963e6567" providerId="LiveId" clId="{930E4540-302B-49A4-9330-3D1412466C29}" dt="2023-01-11T17:55:21.635" v="1497" actId="1076"/>
+          <ac:spMkLst>
+            <pc:docMk/>
+            <pc:sldMk cId="394200718" sldId="291"/>
+            <ac:spMk id="4" creationId="{79CE3C7E-BA12-F2B6-AB5B-562D1399D8D1}"/>
+          </ac:spMkLst>
+        </pc:spChg>
+        <pc:spChg chg="add mod">
+          <ac:chgData name="Moises Pirela" userId="a07275d2963e6567" providerId="LiveId" clId="{930E4540-302B-49A4-9330-3D1412466C29}" dt="2023-01-11T17:55:21.635" v="1497" actId="1076"/>
+          <ac:spMkLst>
+            <pc:docMk/>
+            <pc:sldMk cId="394200718" sldId="291"/>
+            <ac:spMk id="6" creationId="{5036E941-E4FE-E1D8-CAB0-6A7DBE3BB7F7}"/>
+          </ac:spMkLst>
+        </pc:spChg>
+        <pc:spChg chg="add mod">
+          <ac:chgData name="Moises Pirela" userId="a07275d2963e6567" providerId="LiveId" clId="{930E4540-302B-49A4-9330-3D1412466C29}" dt="2023-01-11T17:55:21.635" v="1497" actId="1076"/>
+          <ac:spMkLst>
+            <pc:docMk/>
+            <pc:sldMk cId="394200718" sldId="291"/>
+            <ac:spMk id="7" creationId="{E4B335D1-FAE1-A540-9CE9-3248F0F3666F}"/>
+          </ac:spMkLst>
+        </pc:spChg>
         <pc:spChg chg="del">
           <ac:chgData name="Moises Pirela" userId="a07275d2963e6567" providerId="LiveId" clId="{930E4540-302B-49A4-9330-3D1412466C29}" dt="2023-01-11T15:17:49.918" v="1470" actId="478"/>
           <ac:spMkLst>
@@ -492,7 +533,7 @@
           </ac:spMkLst>
         </pc:spChg>
         <pc:spChg chg="mod">
-          <ac:chgData name="Moises Pirela" userId="a07275d2963e6567" providerId="LiveId" clId="{930E4540-302B-49A4-9330-3D1412466C29}" dt="2023-01-11T15:18:01.370" v="1471" actId="1076"/>
+          <ac:chgData name="Moises Pirela" userId="a07275d2963e6567" providerId="LiveId" clId="{930E4540-302B-49A4-9330-3D1412466C29}" dt="2023-01-11T17:55:29.602" v="1498" actId="1076"/>
           <ac:spMkLst>
             <pc:docMk/>
             <pc:sldMk cId="394200718" sldId="291"/>
@@ -500,7 +541,7 @@
           </ac:spMkLst>
         </pc:spChg>
         <pc:spChg chg="mod">
-          <ac:chgData name="Moises Pirela" userId="a07275d2963e6567" providerId="LiveId" clId="{930E4540-302B-49A4-9330-3D1412466C29}" dt="2023-01-11T15:18:01.370" v="1471" actId="1076"/>
+          <ac:chgData name="Moises Pirela" userId="a07275d2963e6567" providerId="LiveId" clId="{930E4540-302B-49A4-9330-3D1412466C29}" dt="2023-01-11T17:55:29.602" v="1498" actId="1076"/>
           <ac:spMkLst>
             <pc:docMk/>
             <pc:sldMk cId="394200718" sldId="291"/>
@@ -508,7 +549,7 @@
           </ac:spMkLst>
         </pc:spChg>
         <pc:spChg chg="mod">
-          <ac:chgData name="Moises Pirela" userId="a07275d2963e6567" providerId="LiveId" clId="{930E4540-302B-49A4-9330-3D1412466C29}" dt="2023-01-11T15:18:01.370" v="1471" actId="1076"/>
+          <ac:chgData name="Moises Pirela" userId="a07275d2963e6567" providerId="LiveId" clId="{930E4540-302B-49A4-9330-3D1412466C29}" dt="2023-01-11T17:55:29.602" v="1498" actId="1076"/>
           <ac:spMkLst>
             <pc:docMk/>
             <pc:sldMk cId="394200718" sldId="291"/>
@@ -516,7 +557,7 @@
           </ac:spMkLst>
         </pc:spChg>
         <pc:spChg chg="mod">
-          <ac:chgData name="Moises Pirela" userId="a07275d2963e6567" providerId="LiveId" clId="{930E4540-302B-49A4-9330-3D1412466C29}" dt="2023-01-11T15:18:01.370" v="1471" actId="1076"/>
+          <ac:chgData name="Moises Pirela" userId="a07275d2963e6567" providerId="LiveId" clId="{930E4540-302B-49A4-9330-3D1412466C29}" dt="2023-01-11T17:55:29.602" v="1498" actId="1076"/>
           <ac:spMkLst>
             <pc:docMk/>
             <pc:sldMk cId="394200718" sldId="291"/>
@@ -524,11 +565,201 @@
           </ac:spMkLst>
         </pc:spChg>
         <pc:spChg chg="mod">
-          <ac:chgData name="Moises Pirela" userId="a07275d2963e6567" providerId="LiveId" clId="{930E4540-302B-49A4-9330-3D1412466C29}" dt="2023-01-11T15:18:01.370" v="1471" actId="1076"/>
+          <ac:chgData name="Moises Pirela" userId="a07275d2963e6567" providerId="LiveId" clId="{930E4540-302B-49A4-9330-3D1412466C29}" dt="2023-01-11T17:55:29.602" v="1498" actId="1076"/>
           <ac:spMkLst>
             <pc:docMk/>
             <pc:sldMk cId="394200718" sldId="291"/>
             <ac:spMk id="25" creationId="{276EEBDD-B834-CBB3-1DC9-9D191A6DE242}"/>
+          </ac:spMkLst>
+        </pc:spChg>
+      </pc:sldChg>
+      <pc:sldChg chg="addSp modSp add mod">
+        <pc:chgData name="Moises Pirela" userId="a07275d2963e6567" providerId="LiveId" clId="{930E4540-302B-49A4-9330-3D1412466C29}" dt="2023-01-11T19:54:31.683" v="1858" actId="20577"/>
+        <pc:sldMkLst>
+          <pc:docMk/>
+          <pc:sldMk cId="1302927980" sldId="292"/>
+        </pc:sldMkLst>
+        <pc:spChg chg="add mod">
+          <ac:chgData name="Moises Pirela" userId="a07275d2963e6567" providerId="LiveId" clId="{930E4540-302B-49A4-9330-3D1412466C29}" dt="2023-01-11T19:49:21.530" v="1800" actId="1076"/>
+          <ac:spMkLst>
+            <pc:docMk/>
+            <pc:sldMk cId="1302927980" sldId="292"/>
+            <ac:spMk id="2" creationId="{6D00B7A7-CE4D-F689-7AB8-EA5EAD6EBA0E}"/>
+          </ac:spMkLst>
+        </pc:spChg>
+        <pc:spChg chg="add mod">
+          <ac:chgData name="Moises Pirela" userId="a07275d2963e6567" providerId="LiveId" clId="{930E4540-302B-49A4-9330-3D1412466C29}" dt="2023-01-11T19:52:04.128" v="1833" actId="1076"/>
+          <ac:spMkLst>
+            <pc:docMk/>
+            <pc:sldMk cId="1302927980" sldId="292"/>
+            <ac:spMk id="3" creationId="{1293FA1F-D8E4-6B28-AD35-DBEF4249257B}"/>
+          </ac:spMkLst>
+        </pc:spChg>
+        <pc:spChg chg="mod">
+          <ac:chgData name="Moises Pirela" userId="a07275d2963e6567" providerId="LiveId" clId="{930E4540-302B-49A4-9330-3D1412466C29}" dt="2023-01-11T19:49:17.952" v="1799" actId="14100"/>
+          <ac:spMkLst>
+            <pc:docMk/>
+            <pc:sldMk cId="1302927980" sldId="292"/>
+            <ac:spMk id="9" creationId="{9A027A6F-0F3A-516B-58B8-3DD6E0B6031C}"/>
+          </ac:spMkLst>
+        </pc:spChg>
+        <pc:spChg chg="mod">
+          <ac:chgData name="Moises Pirela" userId="a07275d2963e6567" providerId="LiveId" clId="{930E4540-302B-49A4-9330-3D1412466C29}" dt="2023-01-11T19:51:27.793" v="1819" actId="14100"/>
+          <ac:spMkLst>
+            <pc:docMk/>
+            <pc:sldMk cId="1302927980" sldId="292"/>
+            <ac:spMk id="10" creationId="{FC58630C-351D-E492-D442-3A2A6A762DD0}"/>
+          </ac:spMkLst>
+        </pc:spChg>
+        <pc:spChg chg="mod">
+          <ac:chgData name="Moises Pirela" userId="a07275d2963e6567" providerId="LiveId" clId="{930E4540-302B-49A4-9330-3D1412466C29}" dt="2023-01-11T17:57:18.343" v="1573" actId="20577"/>
+          <ac:spMkLst>
+            <pc:docMk/>
+            <pc:sldMk cId="1302927980" sldId="292"/>
+            <ac:spMk id="12" creationId="{C07239B1-5F15-E4ED-22F3-2BE02174312E}"/>
+          </ac:spMkLst>
+        </pc:spChg>
+        <pc:spChg chg="mod">
+          <ac:chgData name="Moises Pirela" userId="a07275d2963e6567" providerId="LiveId" clId="{930E4540-302B-49A4-9330-3D1412466C29}" dt="2023-01-11T17:57:23.412" v="1574" actId="1076"/>
+          <ac:spMkLst>
+            <pc:docMk/>
+            <pc:sldMk cId="1302927980" sldId="292"/>
+            <ac:spMk id="13" creationId="{54A342DB-419D-410E-6174-311367379740}"/>
+          </ac:spMkLst>
+        </pc:spChg>
+        <pc:spChg chg="mod">
+          <ac:chgData name="Moises Pirela" userId="a07275d2963e6567" providerId="LiveId" clId="{930E4540-302B-49A4-9330-3D1412466C29}" dt="2023-01-11T19:54:31.683" v="1858" actId="20577"/>
+          <ac:spMkLst>
+            <pc:docMk/>
+            <pc:sldMk cId="1302927980" sldId="292"/>
+            <ac:spMk id="15" creationId="{6623946E-036B-1C32-B9D4-A602151D81AC}"/>
+          </ac:spMkLst>
+        </pc:spChg>
+        <pc:spChg chg="mod">
+          <ac:chgData name="Moises Pirela" userId="a07275d2963e6567" providerId="LiveId" clId="{930E4540-302B-49A4-9330-3D1412466C29}" dt="2023-01-11T19:49:05.799" v="1796" actId="14100"/>
+          <ac:spMkLst>
+            <pc:docMk/>
+            <pc:sldMk cId="1302927980" sldId="292"/>
+            <ac:spMk id="16" creationId="{220ACDC1-5217-9DC5-1849-0215D6180D61}"/>
+          </ac:spMkLst>
+        </pc:spChg>
+        <pc:spChg chg="mod">
+          <ac:chgData name="Moises Pirela" userId="a07275d2963e6567" providerId="LiveId" clId="{930E4540-302B-49A4-9330-3D1412466C29}" dt="2023-01-11T19:52:08.164" v="1834" actId="1076"/>
+          <ac:spMkLst>
+            <pc:docMk/>
+            <pc:sldMk cId="1302927980" sldId="292"/>
+            <ac:spMk id="17" creationId="{5ED49229-C0A6-02B9-8EEB-4ECDC3BD743E}"/>
+          </ac:spMkLst>
+        </pc:spChg>
+        <pc:spChg chg="mod">
+          <ac:chgData name="Moises Pirela" userId="a07275d2963e6567" providerId="LiveId" clId="{930E4540-302B-49A4-9330-3D1412466C29}" dt="2023-01-11T18:12:23.419" v="1697" actId="1076"/>
+          <ac:spMkLst>
+            <pc:docMk/>
+            <pc:sldMk cId="1302927980" sldId="292"/>
+            <ac:spMk id="19" creationId="{4A842CFE-7465-77C3-36BD-69F485D89FBD}"/>
+          </ac:spMkLst>
+        </pc:spChg>
+        <pc:spChg chg="mod">
+          <ac:chgData name="Moises Pirela" userId="a07275d2963e6567" providerId="LiveId" clId="{930E4540-302B-49A4-9330-3D1412466C29}" dt="2023-01-11T18:11:30.711" v="1686" actId="1076"/>
+          <ac:spMkLst>
+            <pc:docMk/>
+            <pc:sldMk cId="1302927980" sldId="292"/>
+            <ac:spMk id="20" creationId="{488BFCCA-1AFF-F2AC-7892-1D18CB211B96}"/>
+          </ac:spMkLst>
+        </pc:spChg>
+      </pc:sldChg>
+      <pc:sldChg chg="delSp modSp add mod">
+        <pc:chgData name="Moises Pirela" userId="a07275d2963e6567" providerId="LiveId" clId="{930E4540-302B-49A4-9330-3D1412466C29}" dt="2023-01-11T19:56:02.841" v="1911" actId="6549"/>
+        <pc:sldMkLst>
+          <pc:docMk/>
+          <pc:sldMk cId="2107819911" sldId="293"/>
+        </pc:sldMkLst>
+        <pc:spChg chg="del">
+          <ac:chgData name="Moises Pirela" userId="a07275d2963e6567" providerId="LiveId" clId="{930E4540-302B-49A4-9330-3D1412466C29}" dt="2023-01-11T18:14:52.376" v="1792" actId="478"/>
+          <ac:spMkLst>
+            <pc:docMk/>
+            <pc:sldMk cId="2107819911" sldId="293"/>
+            <ac:spMk id="2" creationId="{6D00B7A7-CE4D-F689-7AB8-EA5EAD6EBA0E}"/>
+          </ac:spMkLst>
+        </pc:spChg>
+        <pc:spChg chg="mod">
+          <ac:chgData name="Moises Pirela" userId="a07275d2963e6567" providerId="LiveId" clId="{930E4540-302B-49A4-9330-3D1412466C29}" dt="2023-01-11T18:12:50.120" v="1726" actId="20577"/>
+          <ac:spMkLst>
+            <pc:docMk/>
+            <pc:sldMk cId="2107819911" sldId="293"/>
+            <ac:spMk id="5" creationId="{8A6020E7-C9E2-FC7F-7A7B-D27F9EC84911}"/>
+          </ac:spMkLst>
+        </pc:spChg>
+        <pc:spChg chg="mod">
+          <ac:chgData name="Moises Pirela" userId="a07275d2963e6567" providerId="LiveId" clId="{930E4540-302B-49A4-9330-3D1412466C29}" dt="2023-01-11T19:56:02.841" v="1911" actId="6549"/>
+          <ac:spMkLst>
+            <pc:docMk/>
+            <pc:sldMk cId="2107819911" sldId="293"/>
+            <ac:spMk id="9" creationId="{9A027A6F-0F3A-516B-58B8-3DD6E0B6031C}"/>
+          </ac:spMkLst>
+        </pc:spChg>
+        <pc:spChg chg="del">
+          <ac:chgData name="Moises Pirela" userId="a07275d2963e6567" providerId="LiveId" clId="{930E4540-302B-49A4-9330-3D1412466C29}" dt="2023-01-11T18:14:52.376" v="1792" actId="478"/>
+          <ac:spMkLst>
+            <pc:docMk/>
+            <pc:sldMk cId="2107819911" sldId="293"/>
+            <ac:spMk id="10" creationId="{FC58630C-351D-E492-D442-3A2A6A762DD0}"/>
+          </ac:spMkLst>
+        </pc:spChg>
+        <pc:spChg chg="del">
+          <ac:chgData name="Moises Pirela" userId="a07275d2963e6567" providerId="LiveId" clId="{930E4540-302B-49A4-9330-3D1412466C29}" dt="2023-01-11T18:14:52.376" v="1792" actId="478"/>
+          <ac:spMkLst>
+            <pc:docMk/>
+            <pc:sldMk cId="2107819911" sldId="293"/>
+            <ac:spMk id="12" creationId="{C07239B1-5F15-E4ED-22F3-2BE02174312E}"/>
+          </ac:spMkLst>
+        </pc:spChg>
+        <pc:spChg chg="del">
+          <ac:chgData name="Moises Pirela" userId="a07275d2963e6567" providerId="LiveId" clId="{930E4540-302B-49A4-9330-3D1412466C29}" dt="2023-01-11T18:14:52.376" v="1792" actId="478"/>
+          <ac:spMkLst>
+            <pc:docMk/>
+            <pc:sldMk cId="2107819911" sldId="293"/>
+            <ac:spMk id="13" creationId="{54A342DB-419D-410E-6174-311367379740}"/>
+          </ac:spMkLst>
+        </pc:spChg>
+        <pc:spChg chg="del">
+          <ac:chgData name="Moises Pirela" userId="a07275d2963e6567" providerId="LiveId" clId="{930E4540-302B-49A4-9330-3D1412466C29}" dt="2023-01-11T18:14:52.376" v="1792" actId="478"/>
+          <ac:spMkLst>
+            <pc:docMk/>
+            <pc:sldMk cId="2107819911" sldId="293"/>
+            <ac:spMk id="15" creationId="{6623946E-036B-1C32-B9D4-A602151D81AC}"/>
+          </ac:spMkLst>
+        </pc:spChg>
+        <pc:spChg chg="del">
+          <ac:chgData name="Moises Pirela" userId="a07275d2963e6567" providerId="LiveId" clId="{930E4540-302B-49A4-9330-3D1412466C29}" dt="2023-01-11T18:15:02.488" v="1793" actId="478"/>
+          <ac:spMkLst>
+            <pc:docMk/>
+            <pc:sldMk cId="2107819911" sldId="293"/>
+            <ac:spMk id="16" creationId="{220ACDC1-5217-9DC5-1849-0215D6180D61}"/>
+          </ac:spMkLst>
+        </pc:spChg>
+        <pc:spChg chg="del">
+          <ac:chgData name="Moises Pirela" userId="a07275d2963e6567" providerId="LiveId" clId="{930E4540-302B-49A4-9330-3D1412466C29}" dt="2023-01-11T18:14:52.376" v="1792" actId="478"/>
+          <ac:spMkLst>
+            <pc:docMk/>
+            <pc:sldMk cId="2107819911" sldId="293"/>
+            <ac:spMk id="17" creationId="{5ED49229-C0A6-02B9-8EEB-4ECDC3BD743E}"/>
+          </ac:spMkLst>
+        </pc:spChg>
+        <pc:spChg chg="del">
+          <ac:chgData name="Moises Pirela" userId="a07275d2963e6567" providerId="LiveId" clId="{930E4540-302B-49A4-9330-3D1412466C29}" dt="2023-01-11T18:14:52.376" v="1792" actId="478"/>
+          <ac:spMkLst>
+            <pc:docMk/>
+            <pc:sldMk cId="2107819911" sldId="293"/>
+            <ac:spMk id="19" creationId="{4A842CFE-7465-77C3-36BD-69F485D89FBD}"/>
+          </ac:spMkLst>
+        </pc:spChg>
+        <pc:spChg chg="del">
+          <ac:chgData name="Moises Pirela" userId="a07275d2963e6567" providerId="LiveId" clId="{930E4540-302B-49A4-9330-3D1412466C29}" dt="2023-01-11T18:14:52.376" v="1792" actId="478"/>
+          <ac:spMkLst>
+            <pc:docMk/>
+            <pc:sldMk cId="2107819911" sldId="293"/>
+            <ac:spMk id="20" creationId="{488BFCCA-1AFF-F2AC-7892-1D18CB211B96}"/>
           </ac:spMkLst>
         </pc:spChg>
       </pc:sldChg>
@@ -5997,30 +6228,6 @@
               <a:t>g</a:t>
             </a:r>
             <a:r>
-              <a:rPr lang="en-US" sz="2600" dirty="0"/>
-              <a:t> </a:t>
-            </a:r>
-            <a:r>
-              <a:rPr lang="en-US" sz="2600" dirty="0" err="1"/>
-              <a:t>sobre</a:t>
-            </a:r>
-            <a:r>
-              <a:rPr lang="en-US" sz="2600" dirty="0"/>
-              <a:t> la </a:t>
-            </a:r>
-            <a:r>
-              <a:rPr lang="en-US" sz="2600" dirty="0" err="1"/>
-              <a:t>clase</a:t>
-            </a:r>
-            <a:r>
-              <a:rPr lang="en-US" sz="2600" dirty="0"/>
-              <a:t> </a:t>
-            </a:r>
-            <a:r>
-              <a:rPr lang="en-US" sz="2600" dirty="0" err="1"/>
-              <a:t>mayoritaria</a:t>
-            </a:r>
-            <a:r>
               <a:rPr lang="en-US" sz="2600" dirty="0">
                 <a:effectLst/>
               </a:rPr>
@@ -6154,15 +6361,7 @@
                   <a:schemeClr val="bg1"/>
                 </a:solidFill>
               </a:rPr>
-              <a:t> para </a:t>
-            </a:r>
-            <a:r>
-              <a:rPr lang="en-US" b="1" dirty="0" err="1">
-                <a:solidFill>
-                  <a:schemeClr val="bg1"/>
-                </a:solidFill>
-              </a:rPr>
-              <a:t>eliminar</a:t>
+              <a:t> para eliminar</a:t>
             </a:r>
             <a:endParaRPr lang="en-US" b="1" dirty="0">
               <a:solidFill>
@@ -6364,10 +6563,10 @@
       </p:sp>
       <p:sp>
         <p:nvSpPr>
-          <p:cNvPr id="21" name="CuadroTexto 20">
-            <a:extLst>
-              <a:ext uri="{FF2B5EF4-FFF2-40B4-BE49-F238E27FC236}">
-                <a16:creationId xmlns:a16="http://schemas.microsoft.com/office/drawing/2014/main" id="{CBF7BDA8-6E0E-D4A3-6F8C-57206524322E}"/>
+          <p:cNvPr id="9" name="CuadroTexto 8">
+            <a:extLst>
+              <a:ext uri="{FF2B5EF4-FFF2-40B4-BE49-F238E27FC236}">
+                <a16:creationId xmlns:a16="http://schemas.microsoft.com/office/drawing/2014/main" id="{9A027A6F-0F3A-516B-58B8-3DD6E0B6031C}"/>
               </a:ext>
             </a:extLst>
           </p:cNvPr>
@@ -6376,8 +6575,8 @@
         </p:nvSpPr>
         <p:spPr>
           <a:xfrm>
-            <a:off x="307340" y="1063515"/>
-            <a:ext cx="10157460" cy="369332"/>
+            <a:off x="358140" y="983913"/>
+            <a:ext cx="5479105" cy="492443"/>
           </a:xfrm>
           <a:prstGeom prst="rect">
             <a:avLst/>
@@ -6391,24 +6590,28 @@
           <a:lstStyle/>
           <a:p>
             <a:r>
-              <a:rPr lang="en-US" dirty="0">
+              <a:rPr lang="en-US" sz="2600" dirty="0"/>
+              <a:t>3</a:t>
+            </a:r>
+            <a:r>
+              <a:rPr lang="es-ES" sz="2600" dirty="0">
                 <a:effectLst/>
               </a:rPr>
-              <a:t>3. </a:t>
-            </a:r>
-            <a:r>
-              <a:rPr lang="es-ES" dirty="0" err="1">
+              <a:t>. </a:t>
+            </a:r>
+            <a:r>
+              <a:rPr lang="es-ES" sz="2600" dirty="0" err="1">
                 <a:effectLst/>
               </a:rPr>
               <a:t>Oversampling</a:t>
             </a:r>
             <a:r>
-              <a:rPr lang="es-ES" dirty="0">
+              <a:rPr lang="es-ES" sz="2600" dirty="0">
                 <a:effectLst/>
               </a:rPr>
               <a:t> en la clase minoritaria</a:t>
             </a:r>
-            <a:endParaRPr lang="en-US" dirty="0">
+            <a:endParaRPr lang="en-US" sz="2600" dirty="0">
               <a:effectLst/>
             </a:endParaRPr>
           </a:p>
@@ -6416,10 +6619,10 @@
       </p:sp>
       <p:sp>
         <p:nvSpPr>
-          <p:cNvPr id="22" name="CuadroTexto 21">
-            <a:extLst>
-              <a:ext uri="{FF2B5EF4-FFF2-40B4-BE49-F238E27FC236}">
-                <a16:creationId xmlns:a16="http://schemas.microsoft.com/office/drawing/2014/main" id="{CC2A067C-CBBE-5AB1-DCB5-3954B7A0803C}"/>
+          <p:cNvPr id="10" name="CuadroTexto 9">
+            <a:extLst>
+              <a:ext uri="{FF2B5EF4-FFF2-40B4-BE49-F238E27FC236}">
+                <a16:creationId xmlns:a16="http://schemas.microsoft.com/office/drawing/2014/main" id="{FC58630C-351D-E492-D442-3A2A6A762DD0}"/>
               </a:ext>
             </a:extLst>
           </p:cNvPr>
@@ -6428,8 +6631,8 @@
         </p:nvSpPr>
         <p:spPr>
           <a:xfrm>
-            <a:off x="6675120" y="1668212"/>
-            <a:ext cx="5262880" cy="369332"/>
+            <a:off x="6644640" y="2387627"/>
+            <a:ext cx="5105842" cy="369332"/>
           </a:xfrm>
           <a:prstGeom prst="rect">
             <a:avLst/>
@@ -6544,10 +6747,49 @@
       </p:sp>
       <p:sp>
         <p:nvSpPr>
-          <p:cNvPr id="23" name="Flecha: a la derecha 22">
-            <a:extLst>
-              <a:ext uri="{FF2B5EF4-FFF2-40B4-BE49-F238E27FC236}">
-                <a16:creationId xmlns:a16="http://schemas.microsoft.com/office/drawing/2014/main" id="{DE0C5B50-75AE-82A2-6ED3-59715019CFCB}"/>
+          <p:cNvPr id="12" name="CuadroTexto 11">
+            <a:extLst>
+              <a:ext uri="{FF2B5EF4-FFF2-40B4-BE49-F238E27FC236}">
+                <a16:creationId xmlns:a16="http://schemas.microsoft.com/office/drawing/2014/main" id="{C07239B1-5F15-E4ED-22F3-2BE02174312E}"/>
+              </a:ext>
+            </a:extLst>
+          </p:cNvPr>
+          <p:cNvSpPr txBox="1"/>
+          <p:nvPr/>
+        </p:nvSpPr>
+        <p:spPr>
+          <a:xfrm>
+            <a:off x="358140" y="2349969"/>
+            <a:ext cx="3398520" cy="461665"/>
+          </a:xfrm>
+          <a:prstGeom prst="rect">
+            <a:avLst/>
+          </a:prstGeom>
+          <a:noFill/>
+        </p:spPr>
+        <p:txBody>
+          <a:bodyPr wrap="square">
+            <a:spAutoFit/>
+          </a:bodyPr>
+          <a:lstStyle/>
+          <a:p>
+            <a:r>
+              <a:rPr lang="en-US" sz="2400" dirty="0" err="1"/>
+              <a:t>sampling_strategy</a:t>
+            </a:r>
+            <a:r>
+              <a:rPr lang="en-US" sz="2400" dirty="0"/>
+              <a:t>  = 0.5</a:t>
+            </a:r>
+          </a:p>
+        </p:txBody>
+      </p:sp>
+      <p:sp>
+        <p:nvSpPr>
+          <p:cNvPr id="13" name="Flecha: a la derecha 12">
+            <a:extLst>
+              <a:ext uri="{FF2B5EF4-FFF2-40B4-BE49-F238E27FC236}">
+                <a16:creationId xmlns:a16="http://schemas.microsoft.com/office/drawing/2014/main" id="{54A342DB-419D-410E-6174-311367379740}"/>
               </a:ext>
             </a:extLst>
           </p:cNvPr>
@@ -6556,7 +6798,7 @@
         </p:nvSpPr>
         <p:spPr>
           <a:xfrm>
-            <a:off x="4056380" y="1668212"/>
+            <a:off x="4107180" y="2387627"/>
             <a:ext cx="2346960" cy="369332"/>
           </a:xfrm>
           <a:prstGeom prst="rightArrow">
@@ -6597,10 +6839,10 @@
       </p:sp>
       <p:sp>
         <p:nvSpPr>
-          <p:cNvPr id="24" name="CuadroTexto 23">
-            <a:extLst>
-              <a:ext uri="{FF2B5EF4-FFF2-40B4-BE49-F238E27FC236}">
-                <a16:creationId xmlns:a16="http://schemas.microsoft.com/office/drawing/2014/main" id="{1EF7D979-7053-7FB5-A8E6-886EEA764249}"/>
+          <p:cNvPr id="15" name="CuadroTexto 14">
+            <a:extLst>
+              <a:ext uri="{FF2B5EF4-FFF2-40B4-BE49-F238E27FC236}">
+                <a16:creationId xmlns:a16="http://schemas.microsoft.com/office/drawing/2014/main" id="{6623946E-036B-1C32-B9D4-A602151D81AC}"/>
               </a:ext>
             </a:extLst>
           </p:cNvPr>
@@ -6609,8 +6851,8 @@
         </p:nvSpPr>
         <p:spPr>
           <a:xfrm>
-            <a:off x="307340" y="1736140"/>
-            <a:ext cx="2496820" cy="369332"/>
+            <a:off x="358140" y="1793118"/>
+            <a:ext cx="6096000" cy="461665"/>
           </a:xfrm>
           <a:prstGeom prst="rect">
             <a:avLst/>
@@ -6624,18 +6866,14 @@
           <a:lstStyle/>
           <a:p>
             <a:r>
-              <a:rPr lang="en-US" dirty="0"/>
+              <a:rPr lang="en-US" sz="2400" dirty="0"/>
               <a:t>  </a:t>
             </a:r>
             <a:r>
-              <a:rPr lang="en-US" dirty="0" err="1"/>
-              <a:t>RandomOverSample</a:t>
-            </a:r>
-            <a:r>
-              <a:rPr lang="en-US" dirty="0"/>
-              <a:t>  </a:t>
-            </a:r>
-            <a:endParaRPr lang="en-US" dirty="0">
+              <a:rPr lang="en-US" sz="2400" dirty="0" err="1"/>
+              <a:t>RandomOverSampler</a:t>
+            </a:r>
+            <a:endParaRPr lang="en-US" sz="2400" dirty="0">
               <a:effectLst/>
             </a:endParaRPr>
           </a:p>
@@ -6643,10 +6881,10 @@
       </p:sp>
       <p:sp>
         <p:nvSpPr>
-          <p:cNvPr id="25" name="CuadroTexto 24">
-            <a:extLst>
-              <a:ext uri="{FF2B5EF4-FFF2-40B4-BE49-F238E27FC236}">
-                <a16:creationId xmlns:a16="http://schemas.microsoft.com/office/drawing/2014/main" id="{276EEBDD-B834-CBB3-1DC9-9D191A6DE242}"/>
+          <p:cNvPr id="16" name="CuadroTexto 15">
+            <a:extLst>
+              <a:ext uri="{FF2B5EF4-FFF2-40B4-BE49-F238E27FC236}">
+                <a16:creationId xmlns:a16="http://schemas.microsoft.com/office/drawing/2014/main" id="{220ACDC1-5217-9DC5-1849-0215D6180D61}"/>
               </a:ext>
             </a:extLst>
           </p:cNvPr>
@@ -6655,8 +6893,8 @@
         </p:nvSpPr>
         <p:spPr>
           <a:xfrm>
-            <a:off x="388620" y="2163501"/>
-            <a:ext cx="6096000" cy="369332"/>
+            <a:off x="284480" y="3838700"/>
+            <a:ext cx="4803086" cy="492443"/>
           </a:xfrm>
           <a:prstGeom prst="rect">
             <a:avLst/>
@@ -6670,12 +6908,267 @@
           <a:lstStyle/>
           <a:p>
             <a:r>
-              <a:rPr lang="en-US" dirty="0" err="1"/>
-              <a:t>Sampling_strategy</a:t>
-            </a:r>
+              <a:rPr lang="en-US" sz="2600" dirty="0">
+                <a:effectLst/>
+              </a:rPr>
+              <a:t>4. </a:t>
+            </a:r>
+            <a:r>
+              <a:rPr lang="es-ES" sz="2600" dirty="0" err="1">
+                <a:effectLst/>
+              </a:rPr>
+              <a:t>OverSampling</a:t>
+            </a:r>
+            <a:r>
+              <a:rPr lang="es-ES" sz="2600" dirty="0">
+                <a:effectLst/>
+              </a:rPr>
+              <a:t> - </a:t>
+            </a:r>
+            <a:r>
+              <a:rPr lang="en-US" sz="2600" dirty="0" err="1">
+                <a:effectLst/>
+              </a:rPr>
+              <a:t>Undersamplin</a:t>
+            </a:r>
+            <a:r>
+              <a:rPr lang="en-US" sz="2600" dirty="0" err="1"/>
+              <a:t>g</a:t>
+            </a:r>
+            <a:endParaRPr lang="en-US" sz="2600" dirty="0">
+              <a:effectLst/>
+            </a:endParaRPr>
+          </a:p>
+        </p:txBody>
+      </p:sp>
+      <p:sp>
+        <p:nvSpPr>
+          <p:cNvPr id="17" name="CuadroTexto 16">
+            <a:extLst>
+              <a:ext uri="{FF2B5EF4-FFF2-40B4-BE49-F238E27FC236}">
+                <a16:creationId xmlns:a16="http://schemas.microsoft.com/office/drawing/2014/main" id="{5ED49229-C0A6-02B9-8EEB-4ECDC3BD743E}"/>
+              </a:ext>
+            </a:extLst>
+          </p:cNvPr>
+          <p:cNvSpPr txBox="1"/>
+          <p:nvPr/>
+        </p:nvSpPr>
+        <p:spPr>
+          <a:xfrm>
+            <a:off x="5654482" y="4453878"/>
+            <a:ext cx="6096000" cy="646331"/>
+          </a:xfrm>
+          <a:prstGeom prst="rect">
+            <a:avLst/>
+          </a:prstGeom>
+          <a:solidFill>
+            <a:srgbClr val="FF0000"/>
+          </a:solidFill>
+        </p:spPr>
+        <p:txBody>
+          <a:bodyPr wrap="square">
+            <a:spAutoFit/>
+          </a:bodyPr>
+          <a:lstStyle/>
+          <a:p>
+            <a:pPr algn="just"/>
+            <a:r>
+              <a:rPr lang="en-US" b="1" dirty="0">
+                <a:solidFill>
+                  <a:schemeClr val="bg1"/>
+                </a:solidFill>
+              </a:rPr>
+              <a:t>SMOTE (Synthetic Minority Over-sampling Technique) Puntos </a:t>
+            </a:r>
+            <a:r>
+              <a:rPr lang="en-US" b="1" dirty="0" err="1">
+                <a:solidFill>
+                  <a:schemeClr val="bg1"/>
+                </a:solidFill>
+              </a:rPr>
+              <a:t>vecinos</a:t>
+            </a:r>
+            <a:r>
+              <a:rPr lang="en-US" b="1" dirty="0">
+                <a:solidFill>
+                  <a:schemeClr val="bg1"/>
+                </a:solidFill>
+              </a:rPr>
+              <a:t> </a:t>
+            </a:r>
+            <a:r>
+              <a:rPr lang="en-US" b="1" dirty="0" err="1">
+                <a:solidFill>
+                  <a:schemeClr val="bg1"/>
+                </a:solidFill>
+              </a:rPr>
+              <a:t>cercanos</a:t>
+            </a:r>
+            <a:r>
+              <a:rPr lang="en-US" b="1" dirty="0">
+                <a:solidFill>
+                  <a:schemeClr val="bg1"/>
+                </a:solidFill>
+              </a:rPr>
+              <a:t> y </a:t>
+            </a:r>
+            <a:r>
+              <a:rPr lang="en-US" b="1" dirty="0" err="1">
+                <a:solidFill>
+                  <a:schemeClr val="bg1"/>
+                </a:solidFill>
+              </a:rPr>
+              <a:t>agrega</a:t>
+            </a:r>
+            <a:r>
+              <a:rPr lang="en-US" b="1" dirty="0">
+                <a:solidFill>
+                  <a:schemeClr val="bg1"/>
+                </a:solidFill>
+              </a:rPr>
+              <a:t> puntos “</a:t>
+            </a:r>
+            <a:r>
+              <a:rPr lang="en-US" b="1" dirty="0" err="1">
+                <a:solidFill>
+                  <a:schemeClr val="bg1"/>
+                </a:solidFill>
+              </a:rPr>
+              <a:t>en</a:t>
+            </a:r>
+            <a:r>
+              <a:rPr lang="en-US" b="1" dirty="0">
+                <a:solidFill>
+                  <a:schemeClr val="bg1"/>
+                </a:solidFill>
+              </a:rPr>
+              <a:t> </a:t>
+            </a:r>
+            <a:r>
+              <a:rPr lang="en-US" b="1" dirty="0" err="1">
+                <a:solidFill>
+                  <a:schemeClr val="bg1"/>
+                </a:solidFill>
+              </a:rPr>
+              <a:t>linea</a:t>
+            </a:r>
+            <a:r>
+              <a:rPr lang="en-US" b="1" dirty="0">
+                <a:solidFill>
+                  <a:schemeClr val="bg1"/>
+                </a:solidFill>
+              </a:rPr>
+              <a:t> recta” entre </a:t>
+            </a:r>
+            <a:r>
+              <a:rPr lang="en-US" b="1" dirty="0" err="1">
+                <a:solidFill>
+                  <a:schemeClr val="bg1"/>
+                </a:solidFill>
+              </a:rPr>
+              <a:t>ellos</a:t>
+            </a:r>
+            <a:r>
+              <a:rPr lang="en-US" b="1" dirty="0">
+                <a:solidFill>
+                  <a:schemeClr val="bg1"/>
+                </a:solidFill>
+              </a:rPr>
+              <a:t>. </a:t>
+            </a:r>
+            <a:endParaRPr lang="en-US" b="1" dirty="0">
+              <a:solidFill>
+                <a:schemeClr val="bg1"/>
+              </a:solidFill>
+              <a:effectLst/>
+            </a:endParaRPr>
+          </a:p>
+        </p:txBody>
+      </p:sp>
+      <p:sp>
+        <p:nvSpPr>
+          <p:cNvPr id="19" name="Flecha: a la derecha 18">
+            <a:extLst>
+              <a:ext uri="{FF2B5EF4-FFF2-40B4-BE49-F238E27FC236}">
+                <a16:creationId xmlns:a16="http://schemas.microsoft.com/office/drawing/2014/main" id="{4A842CFE-7465-77C3-36BD-69F485D89FBD}"/>
+              </a:ext>
+            </a:extLst>
+          </p:cNvPr>
+          <p:cNvSpPr/>
+          <p:nvPr/>
+        </p:nvSpPr>
+        <p:spPr>
+          <a:xfrm rot="21008313">
+            <a:off x="3075622" y="4975294"/>
+            <a:ext cx="2346960" cy="369332"/>
+          </a:xfrm>
+          <a:prstGeom prst="rightArrow">
+            <a:avLst/>
+          </a:prstGeom>
+          <a:solidFill>
+            <a:schemeClr val="tx1"/>
+          </a:solidFill>
+        </p:spPr>
+        <p:style>
+          <a:lnRef idx="2">
+            <a:schemeClr val="accent1">
+              <a:shade val="50000"/>
+            </a:schemeClr>
+          </a:lnRef>
+          <a:fillRef idx="1">
+            <a:schemeClr val="accent1"/>
+          </a:fillRef>
+          <a:effectRef idx="0">
+            <a:schemeClr val="accent1"/>
+          </a:effectRef>
+          <a:fontRef idx="minor">
+            <a:schemeClr val="lt1"/>
+          </a:fontRef>
+        </p:style>
+        <p:txBody>
+          <a:bodyPr rtlCol="0" anchor="ctr"/>
+          <a:lstStyle/>
+          <a:p>
+            <a:pPr algn="ctr"/>
+            <a:endParaRPr lang="es-AR">
+              <a:solidFill>
+                <a:schemeClr val="tx1"/>
+              </a:solidFill>
+            </a:endParaRPr>
+          </a:p>
+        </p:txBody>
+      </p:sp>
+      <p:sp>
+        <p:nvSpPr>
+          <p:cNvPr id="20" name="CuadroTexto 19">
+            <a:extLst>
+              <a:ext uri="{FF2B5EF4-FFF2-40B4-BE49-F238E27FC236}">
+                <a16:creationId xmlns:a16="http://schemas.microsoft.com/office/drawing/2014/main" id="{488BFCCA-1AFF-F2AC-7892-1D18CB211B96}"/>
+              </a:ext>
+            </a:extLst>
+          </p:cNvPr>
+          <p:cNvSpPr txBox="1"/>
+          <p:nvPr/>
+        </p:nvSpPr>
+        <p:spPr>
+          <a:xfrm>
+            <a:off x="828040" y="5358209"/>
+            <a:ext cx="2730500" cy="369332"/>
+          </a:xfrm>
+          <a:prstGeom prst="rect">
+            <a:avLst/>
+          </a:prstGeom>
+          <a:noFill/>
+        </p:spPr>
+        <p:txBody>
+          <a:bodyPr wrap="square">
+            <a:spAutoFit/>
+          </a:bodyPr>
+          <a:lstStyle/>
+          <a:p>
             <a:r>
               <a:rPr lang="en-US" dirty="0"/>
-              <a:t> = 0.5</a:t>
+              <a:t>  SMOTE-Tomek</a:t>
             </a:r>
             <a:endParaRPr lang="en-US" dirty="0">
               <a:effectLst/>
@@ -6683,10 +7176,394 @@
           </a:p>
         </p:txBody>
       </p:sp>
+      <p:sp>
+        <p:nvSpPr>
+          <p:cNvPr id="2" name="Flecha: a la derecha 1">
+            <a:extLst>
+              <a:ext uri="{FF2B5EF4-FFF2-40B4-BE49-F238E27FC236}">
+                <a16:creationId xmlns:a16="http://schemas.microsoft.com/office/drawing/2014/main" id="{6D00B7A7-CE4D-F689-7AB8-EA5EAD6EBA0E}"/>
+              </a:ext>
+            </a:extLst>
+          </p:cNvPr>
+          <p:cNvSpPr/>
+          <p:nvPr/>
+        </p:nvSpPr>
+        <p:spPr>
+          <a:xfrm rot="340124">
+            <a:off x="3110194" y="5730393"/>
+            <a:ext cx="2346960" cy="369332"/>
+          </a:xfrm>
+          <a:prstGeom prst="rightArrow">
+            <a:avLst/>
+          </a:prstGeom>
+          <a:solidFill>
+            <a:schemeClr val="tx1"/>
+          </a:solidFill>
+        </p:spPr>
+        <p:style>
+          <a:lnRef idx="2">
+            <a:schemeClr val="accent1">
+              <a:shade val="50000"/>
+            </a:schemeClr>
+          </a:lnRef>
+          <a:fillRef idx="1">
+            <a:schemeClr val="accent1"/>
+          </a:fillRef>
+          <a:effectRef idx="0">
+            <a:schemeClr val="accent1"/>
+          </a:effectRef>
+          <a:fontRef idx="minor">
+            <a:schemeClr val="lt1"/>
+          </a:fontRef>
+        </p:style>
+        <p:txBody>
+          <a:bodyPr rtlCol="0" anchor="ctr"/>
+          <a:lstStyle/>
+          <a:p>
+            <a:pPr algn="ctr"/>
+            <a:endParaRPr lang="es-AR">
+              <a:solidFill>
+                <a:schemeClr val="tx1"/>
+              </a:solidFill>
+            </a:endParaRPr>
+          </a:p>
+        </p:txBody>
+      </p:sp>
+      <p:sp>
+        <p:nvSpPr>
+          <p:cNvPr id="3" name="CuadroTexto 2">
+            <a:extLst>
+              <a:ext uri="{FF2B5EF4-FFF2-40B4-BE49-F238E27FC236}">
+                <a16:creationId xmlns:a16="http://schemas.microsoft.com/office/drawing/2014/main" id="{1293FA1F-D8E4-6B28-AD35-DBEF4249257B}"/>
+              </a:ext>
+            </a:extLst>
+          </p:cNvPr>
+          <p:cNvSpPr txBox="1"/>
+          <p:nvPr/>
+        </p:nvSpPr>
+        <p:spPr>
+          <a:xfrm>
+            <a:off x="5654482" y="5615383"/>
+            <a:ext cx="6096000" cy="923330"/>
+          </a:xfrm>
+          <a:prstGeom prst="rect">
+            <a:avLst/>
+          </a:prstGeom>
+          <a:solidFill>
+            <a:srgbClr val="FF0000"/>
+          </a:solidFill>
+        </p:spPr>
+        <p:txBody>
+          <a:bodyPr wrap="square">
+            <a:spAutoFit/>
+          </a:bodyPr>
+          <a:lstStyle/>
+          <a:p>
+            <a:pPr algn="just"/>
+            <a:r>
+              <a:rPr lang="es-ES" b="1" dirty="0">
+                <a:solidFill>
+                  <a:schemeClr val="bg1"/>
+                </a:solidFill>
+              </a:rPr>
+              <a:t>Elimina los “puntos” de distinta clase que sean </a:t>
+            </a:r>
+            <a:r>
+              <a:rPr lang="es-ES" b="1" dirty="0" err="1">
+                <a:solidFill>
+                  <a:schemeClr val="bg1"/>
+                </a:solidFill>
+              </a:rPr>
+              <a:t>nearest</a:t>
+            </a:r>
+            <a:r>
+              <a:rPr lang="es-ES" b="1" dirty="0">
+                <a:solidFill>
+                  <a:schemeClr val="bg1"/>
+                </a:solidFill>
+              </a:rPr>
+              <a:t> </a:t>
+            </a:r>
+            <a:r>
+              <a:rPr lang="es-ES" b="1" dirty="0" err="1">
+                <a:solidFill>
+                  <a:schemeClr val="bg1"/>
+                </a:solidFill>
+              </a:rPr>
+              <a:t>neighbor</a:t>
+            </a:r>
+            <a:r>
+              <a:rPr lang="es-ES" b="1" dirty="0">
+                <a:solidFill>
+                  <a:schemeClr val="bg1"/>
+                </a:solidFill>
+              </a:rPr>
+              <a:t> y deja ver mejor el decisión </a:t>
+            </a:r>
+            <a:r>
+              <a:rPr lang="es-ES" b="1" dirty="0" err="1">
+                <a:solidFill>
+                  <a:schemeClr val="bg1"/>
+                </a:solidFill>
+              </a:rPr>
+              <a:t>boundary</a:t>
+            </a:r>
+            <a:r>
+              <a:rPr lang="es-ES" b="1" dirty="0">
+                <a:solidFill>
+                  <a:schemeClr val="bg1"/>
+                </a:solidFill>
+              </a:rPr>
+              <a:t> (la zona limítrofe de las clases)</a:t>
+            </a:r>
+            <a:endParaRPr lang="en-US" b="1" dirty="0">
+              <a:solidFill>
+                <a:schemeClr val="bg1"/>
+              </a:solidFill>
+              <a:effectLst/>
+            </a:endParaRPr>
+          </a:p>
+        </p:txBody>
+      </p:sp>
     </p:spTree>
     <p:extLst>
       <p:ext uri="{BB962C8B-B14F-4D97-AF65-F5344CB8AC3E}">
-        <p14:creationId xmlns:p14="http://schemas.microsoft.com/office/powerpoint/2010/main" val="394200718"/>
+        <p14:creationId xmlns:p14="http://schemas.microsoft.com/office/powerpoint/2010/main" val="1302927980"/>
+      </p:ext>
+    </p:extLst>
+  </p:cSld>
+  <p:clrMapOvr>
+    <a:masterClrMapping/>
+  </p:clrMapOvr>
+</p:sld>
+</file>
+
+<file path=ppt/slides/slide9.xml><?xml version="1.0" encoding="utf-8"?>
+<p:sld xmlns:a="http://schemas.openxmlformats.org/drawingml/2006/main" xmlns:r="http://schemas.openxmlformats.org/officeDocument/2006/relationships" xmlns:p="http://schemas.openxmlformats.org/presentationml/2006/main">
+  <p:cSld>
+    <p:spTree>
+      <p:nvGrpSpPr>
+        <p:cNvPr id="1" name=""/>
+        <p:cNvGrpSpPr/>
+        <p:nvPr/>
+      </p:nvGrpSpPr>
+      <p:grpSpPr>
+        <a:xfrm>
+          <a:off x="0" y="0"/>
+          <a:ext cx="0" cy="0"/>
+          <a:chOff x="0" y="0"/>
+          <a:chExt cx="0" cy="0"/>
+        </a:xfrm>
+      </p:grpSpPr>
+      <p:sp>
+        <p:nvSpPr>
+          <p:cNvPr id="5" name="Título 1">
+            <a:extLst>
+              <a:ext uri="{FF2B5EF4-FFF2-40B4-BE49-F238E27FC236}">
+                <a16:creationId xmlns:a16="http://schemas.microsoft.com/office/drawing/2014/main" id="{8A6020E7-C9E2-FC7F-7A7B-D27F9EC84911}"/>
+              </a:ext>
+            </a:extLst>
+          </p:cNvPr>
+          <p:cNvSpPr txBox="1">
+            <a:spLocks/>
+          </p:cNvSpPr>
+          <p:nvPr/>
+        </p:nvSpPr>
+        <p:spPr>
+          <a:xfrm>
+            <a:off x="828040" y="192405"/>
+            <a:ext cx="11252200" cy="640715"/>
+          </a:xfrm>
+          <a:prstGeom prst="rect">
+            <a:avLst/>
+          </a:prstGeom>
+        </p:spPr>
+        <p:txBody>
+          <a:bodyPr/>
+          <a:lstStyle>
+            <a:lvl1pPr algn="l" defTabSz="914400" rtl="0" eaLnBrk="1" latinLnBrk="0" hangingPunct="1">
+              <a:lnSpc>
+                <a:spcPct val="90000"/>
+              </a:lnSpc>
+              <a:spcBef>
+                <a:spcPct val="0"/>
+              </a:spcBef>
+              <a:buNone/>
+              <a:defRPr sz="4400" kern="1200">
+                <a:solidFill>
+                  <a:schemeClr val="tx1"/>
+                </a:solidFill>
+                <a:latin typeface="+mj-lt"/>
+                <a:ea typeface="+mj-ea"/>
+                <a:cs typeface="+mj-cs"/>
+              </a:defRPr>
+            </a:lvl1pPr>
+          </a:lstStyle>
+          <a:p>
+            <a:r>
+              <a:rPr lang="es-CO" sz="4000" dirty="0"/>
+              <a:t>REFERENCIAS</a:t>
+            </a:r>
+          </a:p>
+        </p:txBody>
+      </p:sp>
+      <p:sp>
+        <p:nvSpPr>
+          <p:cNvPr id="9" name="CuadroTexto 8">
+            <a:extLst>
+              <a:ext uri="{FF2B5EF4-FFF2-40B4-BE49-F238E27FC236}">
+                <a16:creationId xmlns:a16="http://schemas.microsoft.com/office/drawing/2014/main" id="{9A027A6F-0F3A-516B-58B8-3DD6E0B6031C}"/>
+              </a:ext>
+            </a:extLst>
+          </p:cNvPr>
+          <p:cNvSpPr txBox="1"/>
+          <p:nvPr/>
+        </p:nvSpPr>
+        <p:spPr>
+          <a:xfrm>
+            <a:off x="358140" y="983913"/>
+            <a:ext cx="11722100" cy="2862322"/>
+          </a:xfrm>
+          <a:prstGeom prst="rect">
+            <a:avLst/>
+          </a:prstGeom>
+          <a:noFill/>
+        </p:spPr>
+        <p:txBody>
+          <a:bodyPr wrap="square">
+            <a:spAutoFit/>
+          </a:bodyPr>
+          <a:lstStyle/>
+          <a:p>
+            <a:pPr marL="285750" indent="-285750">
+              <a:buFontTx/>
+              <a:buChar char="-"/>
+            </a:pPr>
+            <a:r>
+              <a:rPr lang="en-US" dirty="0"/>
+              <a:t>Logistic Regression.   </a:t>
+            </a:r>
+            <a:r>
+              <a:rPr lang="es-AR" b="0" dirty="0">
+                <a:effectLst/>
+                <a:hlinkClick r:id="rId2"/>
+              </a:rPr>
+              <a:t>https://scikit-learn.org/stable/modules/generated/sklearn.linear_model.LogisticRegression.html</a:t>
+            </a:r>
+            <a:endParaRPr lang="es-AR" b="0" dirty="0">
+              <a:effectLst/>
+            </a:endParaRPr>
+          </a:p>
+          <a:p>
+            <a:pPr marL="285750" indent="-285750">
+              <a:buFontTx/>
+              <a:buChar char="-"/>
+            </a:pPr>
+            <a:endParaRPr lang="es-AR" dirty="0"/>
+          </a:p>
+          <a:p>
+            <a:pPr marL="285750" indent="-285750">
+              <a:buFontTx/>
+              <a:buChar char="-"/>
+            </a:pPr>
+            <a:r>
+              <a:rPr lang="es-AR" b="0" dirty="0" err="1">
+                <a:effectLst/>
+              </a:rPr>
+              <a:t>NearMiss</a:t>
+            </a:r>
+            <a:r>
+              <a:rPr lang="es-AR" dirty="0"/>
+              <a:t>. </a:t>
+            </a:r>
+            <a:r>
+              <a:rPr lang="es-AR" dirty="0">
+                <a:hlinkClick r:id="rId3"/>
+              </a:rPr>
+              <a:t>https://imbalanced-learn.org/dev/references/generated/imblearn.under_sampling.NearMiss.html</a:t>
+            </a:r>
+            <a:endParaRPr lang="es-AR" dirty="0"/>
+          </a:p>
+          <a:p>
+            <a:pPr marL="285750" indent="-285750">
+              <a:buFontTx/>
+              <a:buChar char="-"/>
+            </a:pPr>
+            <a:endParaRPr lang="es-AR" b="0" dirty="0">
+              <a:effectLst/>
+            </a:endParaRPr>
+          </a:p>
+          <a:p>
+            <a:pPr marL="285750" indent="-285750">
+              <a:buFontTx/>
+              <a:buChar char="-"/>
+            </a:pPr>
+            <a:r>
+              <a:rPr lang="es-AR" dirty="0" err="1"/>
+              <a:t>RandomOverSampler</a:t>
+            </a:r>
+            <a:r>
+              <a:rPr lang="es-AR" dirty="0"/>
+              <a:t> </a:t>
+            </a:r>
+            <a:r>
+              <a:rPr lang="es-AR" dirty="0">
+                <a:hlinkClick r:id="rId4"/>
+              </a:rPr>
+              <a:t>https://imbalanced-learn.org/dev/references/generated/imblearn.over_sampling.RandomOverSampler.html</a:t>
+            </a:r>
+            <a:endParaRPr lang="es-AR" dirty="0"/>
+          </a:p>
+          <a:p>
+            <a:pPr marL="285750" indent="-285750">
+              <a:buFontTx/>
+              <a:buChar char="-"/>
+            </a:pPr>
+            <a:endParaRPr lang="es-AR" b="0" dirty="0">
+              <a:effectLst/>
+            </a:endParaRPr>
+          </a:p>
+          <a:p>
+            <a:pPr marL="285750" indent="-285750">
+              <a:buFontTx/>
+              <a:buChar char="-"/>
+            </a:pPr>
+            <a:r>
+              <a:rPr lang="es-AR" dirty="0" err="1"/>
+              <a:t>SMOTETomek</a:t>
+            </a:r>
+            <a:r>
+              <a:rPr lang="es-AR" dirty="0"/>
+              <a:t> </a:t>
+            </a:r>
+            <a:r>
+              <a:rPr lang="es-AR" dirty="0">
+                <a:hlinkClick r:id="rId5"/>
+              </a:rPr>
+              <a:t>https://imbalanced-learn.org/stable/references/generated/imblearn.combine.SMOTETomek.html</a:t>
+            </a:r>
+            <a:endParaRPr lang="es-AR" dirty="0"/>
+          </a:p>
+          <a:p>
+            <a:pPr marL="285750" indent="-285750">
+              <a:buFontTx/>
+              <a:buChar char="-"/>
+            </a:pPr>
+            <a:endParaRPr lang="es-AR" b="0" dirty="0">
+              <a:effectLst/>
+            </a:endParaRPr>
+          </a:p>
+          <a:p>
+            <a:endParaRPr lang="en-US" dirty="0">
+              <a:effectLst/>
+            </a:endParaRPr>
+          </a:p>
+        </p:txBody>
+      </p:sp>
+    </p:spTree>
+    <p:extLst>
+      <p:ext uri="{BB962C8B-B14F-4D97-AF65-F5344CB8AC3E}">
+        <p14:creationId xmlns:p14="http://schemas.microsoft.com/office/powerpoint/2010/main" val="2107819911"/>
       </p:ext>
     </p:extLst>
   </p:cSld>
